--- a/Français/2.Preparing data/3. Merge vs Append.pptx
+++ b/Français/2.Preparing data/3. Merge vs Append.pptx
@@ -5,7 +5,7 @@
     <p:sldMasterId id="2147483648" r:id="rId1"/>
   </p:sldMasterIdLst>
   <p:notesMasterIdLst>
-    <p:notesMasterId r:id="rId8"/>
+    <p:notesMasterId r:id="rId9"/>
   </p:notesMasterIdLst>
   <p:sldIdLst>
     <p:sldId id="256" r:id="rId2"/>
@@ -13,7 +13,8 @@
     <p:sldId id="259" r:id="rId4"/>
     <p:sldId id="260" r:id="rId5"/>
     <p:sldId id="261" r:id="rId6"/>
-    <p:sldId id="258" r:id="rId7"/>
+    <p:sldId id="262" r:id="rId7"/>
+    <p:sldId id="258" r:id="rId8"/>
   </p:sldIdLst>
   <p:sldSz cx="12192000" cy="6858000"/>
   <p:notesSz cx="6858000" cy="9144000"/>
@@ -202,7 +203,7 @@
           <a:p>
             <a:fld id="{056BA3B8-9F76-4D81-B71D-76CB85363062}" type="datetimeFigureOut">
               <a:rPr lang="en-US" smtClean="0"/>
-              <a:t>2/25/2025</a:t>
+              <a:t>3/4/2025</a:t>
             </a:fld>
             <a:endParaRPr lang="en-US"/>
           </a:p>
@@ -685,7 +686,7 @@
           <a:p>
             <a:fld id="{6F01DA4D-20EA-48D2-973C-0311EC3005D6}" type="datetimeFigureOut">
               <a:rPr lang="en-US" smtClean="0"/>
-              <a:t>2/25/2025</a:t>
+              <a:t>3/4/2025</a:t>
             </a:fld>
             <a:endParaRPr lang="en-US"/>
           </a:p>
@@ -855,7 +856,7 @@
           <a:p>
             <a:fld id="{6F01DA4D-20EA-48D2-973C-0311EC3005D6}" type="datetimeFigureOut">
               <a:rPr lang="en-US" smtClean="0"/>
-              <a:t>2/25/2025</a:t>
+              <a:t>3/4/2025</a:t>
             </a:fld>
             <a:endParaRPr lang="en-US"/>
           </a:p>
@@ -1035,7 +1036,7 @@
           <a:p>
             <a:fld id="{6F01DA4D-20EA-48D2-973C-0311EC3005D6}" type="datetimeFigureOut">
               <a:rPr lang="en-US" smtClean="0"/>
-              <a:t>2/25/2025</a:t>
+              <a:t>3/4/2025</a:t>
             </a:fld>
             <a:endParaRPr lang="en-US"/>
           </a:p>
@@ -1205,7 +1206,7 @@
           <a:p>
             <a:fld id="{6F01DA4D-20EA-48D2-973C-0311EC3005D6}" type="datetimeFigureOut">
               <a:rPr lang="en-US" smtClean="0"/>
-              <a:t>2/25/2025</a:t>
+              <a:t>3/4/2025</a:t>
             </a:fld>
             <a:endParaRPr lang="en-US"/>
           </a:p>
@@ -1451,7 +1452,7 @@
           <a:p>
             <a:fld id="{6F01DA4D-20EA-48D2-973C-0311EC3005D6}" type="datetimeFigureOut">
               <a:rPr lang="en-US" smtClean="0"/>
-              <a:t>2/25/2025</a:t>
+              <a:t>3/4/2025</a:t>
             </a:fld>
             <a:endParaRPr lang="en-US"/>
           </a:p>
@@ -1683,7 +1684,7 @@
           <a:p>
             <a:fld id="{6F01DA4D-20EA-48D2-973C-0311EC3005D6}" type="datetimeFigureOut">
               <a:rPr lang="en-US" smtClean="0"/>
-              <a:t>2/25/2025</a:t>
+              <a:t>3/4/2025</a:t>
             </a:fld>
             <a:endParaRPr lang="en-US"/>
           </a:p>
@@ -2050,7 +2051,7 @@
           <a:p>
             <a:fld id="{6F01DA4D-20EA-48D2-973C-0311EC3005D6}" type="datetimeFigureOut">
               <a:rPr lang="en-US" smtClean="0"/>
-              <a:t>2/25/2025</a:t>
+              <a:t>3/4/2025</a:t>
             </a:fld>
             <a:endParaRPr lang="en-US"/>
           </a:p>
@@ -2168,7 +2169,7 @@
           <a:p>
             <a:fld id="{6F01DA4D-20EA-48D2-973C-0311EC3005D6}" type="datetimeFigureOut">
               <a:rPr lang="en-US" smtClean="0"/>
-              <a:t>2/25/2025</a:t>
+              <a:t>3/4/2025</a:t>
             </a:fld>
             <a:endParaRPr lang="en-US"/>
           </a:p>
@@ -2263,7 +2264,7 @@
           <a:p>
             <a:fld id="{6F01DA4D-20EA-48D2-973C-0311EC3005D6}" type="datetimeFigureOut">
               <a:rPr lang="en-US" smtClean="0"/>
-              <a:t>2/25/2025</a:t>
+              <a:t>3/4/2025</a:t>
             </a:fld>
             <a:endParaRPr lang="en-US"/>
           </a:p>
@@ -2540,7 +2541,7 @@
           <a:p>
             <a:fld id="{6F01DA4D-20EA-48D2-973C-0311EC3005D6}" type="datetimeFigureOut">
               <a:rPr lang="en-US" smtClean="0"/>
-              <a:t>2/25/2025</a:t>
+              <a:t>3/4/2025</a:t>
             </a:fld>
             <a:endParaRPr lang="en-US"/>
           </a:p>
@@ -2793,7 +2794,7 @@
           <a:p>
             <a:fld id="{6F01DA4D-20EA-48D2-973C-0311EC3005D6}" type="datetimeFigureOut">
               <a:rPr lang="en-US" smtClean="0"/>
-              <a:t>2/25/2025</a:t>
+              <a:t>3/4/2025</a:t>
             </a:fld>
             <a:endParaRPr lang="en-US"/>
           </a:p>
@@ -3006,7 +3007,7 @@
           <a:p>
             <a:fld id="{6F01DA4D-20EA-48D2-973C-0311EC3005D6}" type="datetimeFigureOut">
               <a:rPr lang="en-US" smtClean="0"/>
-              <a:t>2/25/2025</a:t>
+              <a:t>3/4/2025</a:t>
             </a:fld>
             <a:endParaRPr lang="en-US"/>
           </a:p>
@@ -3618,7 +3619,7 @@
         <p:spPr>
           <a:xfrm>
             <a:off x="222297" y="660835"/>
-            <a:ext cx="11637402" cy="400110"/>
+            <a:ext cx="11749124" cy="400110"/>
           </a:xfrm>
           <a:prstGeom prst="rect">
             <a:avLst/>
@@ -3635,12 +3636,24 @@
               <a:t>Note : Ce laboratoire utilise les fichiers </a:t>
             </a:r>
             <a:r>
-              <a:rPr lang="fr-FR" sz="2000" b="1" dirty="0"/>
-              <a:t>File1/2/3.txt</a:t>
+              <a:rPr lang="fr-FR" sz="2000" b="1" dirty="0" smtClean="0"/>
+              <a:t>File1.txt </a:t>
+            </a:r>
+            <a:r>
+              <a:rPr lang="fr-FR" sz="2000" dirty="0" smtClean="0"/>
+              <a:t>et </a:t>
+            </a:r>
+            <a:r>
+              <a:rPr lang="fr-FR" sz="2000" b="1" dirty="0" smtClean="0"/>
+              <a:t>File2.txt</a:t>
+            </a:r>
+            <a:r>
+              <a:rPr lang="fr-FR" sz="2000" dirty="0" smtClean="0"/>
+              <a:t> </a:t>
             </a:r>
             <a:r>
               <a:rPr lang="fr-FR" sz="2000" dirty="0"/>
-              <a:t> situés dans le dossier </a:t>
+              <a:t>situés dans le dossier </a:t>
             </a:r>
             <a:r>
               <a:rPr lang="fr-FR" sz="2000" b="1" dirty="0" err="1"/>
@@ -3662,7 +3675,7 @@
         </p:nvSpPr>
         <p:spPr>
           <a:xfrm>
-            <a:off x="222297" y="1119447"/>
+            <a:off x="222297" y="1203256"/>
             <a:ext cx="8221035" cy="400110"/>
           </a:xfrm>
           <a:prstGeom prst="rect">
@@ -3699,7 +3712,7 @@
         </p:nvSpPr>
         <p:spPr>
           <a:xfrm>
-            <a:off x="241121" y="1578059"/>
+            <a:off x="241121" y="1751491"/>
             <a:ext cx="6629315" cy="400110"/>
           </a:xfrm>
           <a:prstGeom prst="rect">
@@ -3728,7 +3741,7 @@
         </p:nvSpPr>
         <p:spPr>
           <a:xfrm>
-            <a:off x="290447" y="2091229"/>
+            <a:off x="241121" y="2289389"/>
             <a:ext cx="8282912" cy="400110"/>
           </a:xfrm>
           <a:prstGeom prst="rect">
@@ -3779,42 +3792,9 @@
           <a:chExt cx="0" cy="0"/>
         </a:xfrm>
       </p:grpSpPr>
-      <p:sp>
-        <p:nvSpPr>
-          <p:cNvPr id="3" name="Rectangle 2"/>
-          <p:cNvSpPr/>
-          <p:nvPr/>
-        </p:nvSpPr>
-        <p:spPr>
-          <a:xfrm>
-            <a:off x="222297" y="233001"/>
-            <a:ext cx="2098651" cy="369332"/>
-          </a:xfrm>
-          <a:prstGeom prst="rect">
-            <a:avLst/>
-          </a:prstGeom>
-        </p:spPr>
-        <p:txBody>
-          <a:bodyPr wrap="none">
-            <a:spAutoFit/>
-          </a:bodyPr>
-          <a:lstStyle/>
-          <a:p>
-            <a:r>
-              <a:rPr lang="en-US" b="1" kern="0" dirty="0" smtClean="0">
-                <a:latin typeface="Segoe UI" panose="020B0502040204020203" pitchFamily="34" charset="0"/>
-                <a:ea typeface="Times New Roman" panose="02020603050405020304" pitchFamily="18" charset="0"/>
-                <a:cs typeface="Times New Roman" panose="02020603050405020304" pitchFamily="18" charset="0"/>
-              </a:rPr>
-              <a:t>Merge vs Append</a:t>
-            </a:r>
-            <a:endParaRPr lang="en-US" dirty="0"/>
-          </a:p>
-        </p:txBody>
-      </p:sp>
       <p:pic>
         <p:nvPicPr>
-          <p:cNvPr id="17" name="Picture 16"/>
+          <p:cNvPr id="4" name="Picture 3"/>
           <p:cNvPicPr>
             <a:picLocks noChangeAspect="1"/>
           </p:cNvPicPr>
@@ -3828,8 +3808,8 @@
         </p:blipFill>
         <p:spPr>
           <a:xfrm>
-            <a:off x="357288" y="1761991"/>
-            <a:ext cx="11605540" cy="1354443"/>
+            <a:off x="317532" y="1370610"/>
+            <a:ext cx="11283423" cy="1899625"/>
           </a:xfrm>
           <a:prstGeom prst="rect">
             <a:avLst/>
@@ -3838,14 +3818,47 @@
       </p:pic>
       <p:sp>
         <p:nvSpPr>
+          <p:cNvPr id="3" name="Rectangle 2"/>
+          <p:cNvSpPr/>
+          <p:nvPr/>
+        </p:nvSpPr>
+        <p:spPr>
+          <a:xfrm>
+            <a:off x="222297" y="233001"/>
+            <a:ext cx="2098651" cy="369332"/>
+          </a:xfrm>
+          <a:prstGeom prst="rect">
+            <a:avLst/>
+          </a:prstGeom>
+        </p:spPr>
+        <p:txBody>
+          <a:bodyPr wrap="none">
+            <a:spAutoFit/>
+          </a:bodyPr>
+          <a:lstStyle/>
+          <a:p>
+            <a:r>
+              <a:rPr lang="en-US" b="1" kern="0" dirty="0" smtClean="0">
+                <a:latin typeface="Segoe UI" panose="020B0502040204020203" pitchFamily="34" charset="0"/>
+                <a:ea typeface="Times New Roman" panose="02020603050405020304" pitchFamily="18" charset="0"/>
+                <a:cs typeface="Times New Roman" panose="02020603050405020304" pitchFamily="18" charset="0"/>
+              </a:rPr>
+              <a:t>Merge vs Append</a:t>
+            </a:r>
+            <a:endParaRPr lang="en-US" dirty="0"/>
+          </a:p>
+        </p:txBody>
+      </p:sp>
+      <p:sp>
+        <p:nvSpPr>
           <p:cNvPr id="18" name="Rectangle 17"/>
           <p:cNvSpPr/>
           <p:nvPr/>
         </p:nvSpPr>
         <p:spPr>
           <a:xfrm>
-            <a:off x="886900" y="1984539"/>
-            <a:ext cx="529390" cy="206256"/>
+            <a:off x="829149" y="1647655"/>
+            <a:ext cx="489512" cy="133019"/>
           </a:xfrm>
           <a:prstGeom prst="rect">
             <a:avLst/>
@@ -3892,8 +3905,8 @@
         </p:nvSpPr>
         <p:spPr>
           <a:xfrm>
-            <a:off x="10389556" y="2659453"/>
-            <a:ext cx="1573272" cy="211986"/>
+            <a:off x="9831290" y="3003082"/>
+            <a:ext cx="1593897" cy="238708"/>
           </a:xfrm>
           <a:prstGeom prst="rect">
             <a:avLst/>
@@ -3940,8 +3953,8 @@
         </p:nvSpPr>
         <p:spPr>
           <a:xfrm>
-            <a:off x="10321950" y="2242230"/>
-            <a:ext cx="1015236" cy="157224"/>
+            <a:off x="9760017" y="1853911"/>
+            <a:ext cx="490890" cy="793036"/>
           </a:xfrm>
           <a:prstGeom prst="rect">
             <a:avLst/>
@@ -3989,7 +4002,7 @@
         <p:spPr>
           <a:xfrm>
             <a:off x="222297" y="862332"/>
-            <a:ext cx="11378658" cy="707886"/>
+            <a:ext cx="11378658" cy="400110"/>
           </a:xfrm>
           <a:prstGeom prst="rect">
             <a:avLst/>
@@ -4010,12 +4023,16 @@
               <a:t> depuis l'option </a:t>
             </a:r>
             <a:r>
-              <a:rPr lang="fr-FR" sz="2000" b="1" dirty="0"/>
-              <a:t>Fusionner les requêtes</a:t>
+              <a:rPr lang="fr-FR" sz="2000" b="1" dirty="0" smtClean="0"/>
+              <a:t>Combine </a:t>
+            </a:r>
+            <a:r>
+              <a:rPr lang="fr-FR" sz="2000" dirty="0" smtClean="0"/>
+              <a:t>dans </a:t>
             </a:r>
             <a:r>
               <a:rPr lang="fr-FR" sz="2000" dirty="0"/>
-              <a:t> dans l’onglet </a:t>
+              <a:t>l’onglet </a:t>
             </a:r>
             <a:r>
               <a:rPr lang="fr-FR" sz="2000" b="1" dirty="0" smtClean="0"/>
@@ -4547,6 +4564,166 @@
 </file>
 
 <file path=ppt/slides/slide6.xml><?xml version="1.0" encoding="utf-8"?>
+<p:sld xmlns:a="http://schemas.openxmlformats.org/drawingml/2006/main" xmlns:r="http://schemas.openxmlformats.org/officeDocument/2006/relationships" xmlns:p="http://schemas.openxmlformats.org/presentationml/2006/main">
+  <p:cSld>
+    <p:spTree>
+      <p:nvGrpSpPr>
+        <p:cNvPr id="1" name=""/>
+        <p:cNvGrpSpPr/>
+        <p:nvPr/>
+      </p:nvGrpSpPr>
+      <p:grpSpPr>
+        <a:xfrm>
+          <a:off x="0" y="0"/>
+          <a:ext cx="0" cy="0"/>
+          <a:chOff x="0" y="0"/>
+          <a:chExt cx="0" cy="0"/>
+        </a:xfrm>
+      </p:grpSpPr>
+      <p:sp>
+        <p:nvSpPr>
+          <p:cNvPr id="3" name="Rectangle 2"/>
+          <p:cNvSpPr/>
+          <p:nvPr/>
+        </p:nvSpPr>
+        <p:spPr>
+          <a:xfrm>
+            <a:off x="222297" y="233001"/>
+            <a:ext cx="2098651" cy="369332"/>
+          </a:xfrm>
+          <a:prstGeom prst="rect">
+            <a:avLst/>
+          </a:prstGeom>
+        </p:spPr>
+        <p:txBody>
+          <a:bodyPr wrap="none">
+            <a:spAutoFit/>
+          </a:bodyPr>
+          <a:lstStyle/>
+          <a:p>
+            <a:r>
+              <a:rPr lang="en-US" b="1" kern="0" dirty="0" smtClean="0">
+                <a:latin typeface="Segoe UI" panose="020B0502040204020203" pitchFamily="34" charset="0"/>
+                <a:ea typeface="Times New Roman" panose="02020603050405020304" pitchFamily="18" charset="0"/>
+                <a:cs typeface="Times New Roman" panose="02020603050405020304" pitchFamily="18" charset="0"/>
+              </a:rPr>
+              <a:t>Merge vs Append</a:t>
+            </a:r>
+            <a:endParaRPr lang="en-US" dirty="0"/>
+          </a:p>
+        </p:txBody>
+      </p:sp>
+      <p:sp>
+        <p:nvSpPr>
+          <p:cNvPr id="12" name="Rectangle 11"/>
+          <p:cNvSpPr/>
+          <p:nvPr/>
+        </p:nvSpPr>
+        <p:spPr>
+          <a:xfrm>
+            <a:off x="222297" y="771338"/>
+            <a:ext cx="6208431" cy="400110"/>
+          </a:xfrm>
+          <a:prstGeom prst="rect">
+            <a:avLst/>
+          </a:prstGeom>
+        </p:spPr>
+        <p:txBody>
+          <a:bodyPr wrap="none">
+            <a:spAutoFit/>
+          </a:bodyPr>
+          <a:lstStyle/>
+          <a:p>
+            <a:r>
+              <a:rPr lang="fr-FR" sz="2000" dirty="0" smtClean="0"/>
+              <a:t>Refaire m’exercice avec append comme option cette fois ci</a:t>
+            </a:r>
+            <a:endParaRPr lang="en-US" sz="2000" dirty="0"/>
+          </a:p>
+        </p:txBody>
+      </p:sp>
+      <p:pic>
+        <p:nvPicPr>
+          <p:cNvPr id="5" name="Picture 4"/>
+          <p:cNvPicPr>
+            <a:picLocks noChangeAspect="1"/>
+          </p:cNvPicPr>
+          <p:nvPr/>
+        </p:nvPicPr>
+        <p:blipFill>
+          <a:blip r:embed="rId2"/>
+          <a:stretch>
+            <a:fillRect/>
+          </a:stretch>
+        </p:blipFill>
+        <p:spPr>
+          <a:xfrm>
+            <a:off x="529742" y="1340453"/>
+            <a:ext cx="5010849" cy="2829320"/>
+          </a:xfrm>
+          <a:prstGeom prst="rect">
+            <a:avLst/>
+          </a:prstGeom>
+          <a:ln>
+            <a:noFill/>
+          </a:ln>
+          <a:effectLst>
+            <a:outerShdw blurRad="292100" dist="139700" dir="2700000" algn="tl" rotWithShape="0">
+              <a:srgbClr val="333333">
+                <a:alpha val="65000"/>
+              </a:srgbClr>
+            </a:outerShdw>
+          </a:effectLst>
+        </p:spPr>
+      </p:pic>
+      <p:pic>
+        <p:nvPicPr>
+          <p:cNvPr id="6" name="Picture 5"/>
+          <p:cNvPicPr>
+            <a:picLocks noChangeAspect="1"/>
+          </p:cNvPicPr>
+          <p:nvPr/>
+        </p:nvPicPr>
+        <p:blipFill>
+          <a:blip r:embed="rId3"/>
+          <a:stretch>
+            <a:fillRect/>
+          </a:stretch>
+        </p:blipFill>
+        <p:spPr>
+          <a:xfrm>
+            <a:off x="5871409" y="1436705"/>
+            <a:ext cx="5912437" cy="3549181"/>
+          </a:xfrm>
+          <a:prstGeom prst="rect">
+            <a:avLst/>
+          </a:prstGeom>
+          <a:ln>
+            <a:noFill/>
+          </a:ln>
+          <a:effectLst>
+            <a:outerShdw blurRad="292100" dist="139700" dir="2700000" algn="tl" rotWithShape="0">
+              <a:srgbClr val="333333">
+                <a:alpha val="65000"/>
+              </a:srgbClr>
+            </a:outerShdw>
+          </a:effectLst>
+        </p:spPr>
+      </p:pic>
+    </p:spTree>
+    <p:extLst>
+      <p:ext uri="{BB962C8B-B14F-4D97-AF65-F5344CB8AC3E}">
+        <p14:creationId xmlns:p14="http://schemas.microsoft.com/office/powerpoint/2010/main" val="2738751940"/>
+      </p:ext>
+    </p:extLst>
+  </p:cSld>
+  <p:clrMapOvr>
+    <a:masterClrMapping/>
+  </p:clrMapOvr>
+</p:sld>
+</file>
+
+<file path=ppt/slides/slide7.xml><?xml version="1.0" encoding="utf-8"?>
 <p:sld xmlns:a="http://schemas.openxmlformats.org/drawingml/2006/main" xmlns:r="http://schemas.openxmlformats.org/officeDocument/2006/relationships" xmlns:p="http://schemas.openxmlformats.org/presentationml/2006/main">
   <p:cSld>
     <p:bg>

--- a/Français/2.Preparing data/3. Merge vs Append.pptx
+++ b/Français/2.Preparing data/3. Merge vs Append.pptx
@@ -203,7 +203,7 @@
           <a:p>
             <a:fld id="{056BA3B8-9F76-4D81-B71D-76CB85363062}" type="datetimeFigureOut">
               <a:rPr lang="en-US" smtClean="0"/>
-              <a:t>3/4/2025</a:t>
+              <a:t>3/10/2025</a:t>
             </a:fld>
             <a:endParaRPr lang="en-US"/>
           </a:p>
@@ -686,7 +686,7 @@
           <a:p>
             <a:fld id="{6F01DA4D-20EA-48D2-973C-0311EC3005D6}" type="datetimeFigureOut">
               <a:rPr lang="en-US" smtClean="0"/>
-              <a:t>3/4/2025</a:t>
+              <a:t>3/10/2025</a:t>
             </a:fld>
             <a:endParaRPr lang="en-US"/>
           </a:p>
@@ -856,7 +856,7 @@
           <a:p>
             <a:fld id="{6F01DA4D-20EA-48D2-973C-0311EC3005D6}" type="datetimeFigureOut">
               <a:rPr lang="en-US" smtClean="0"/>
-              <a:t>3/4/2025</a:t>
+              <a:t>3/10/2025</a:t>
             </a:fld>
             <a:endParaRPr lang="en-US"/>
           </a:p>
@@ -1036,7 +1036,7 @@
           <a:p>
             <a:fld id="{6F01DA4D-20EA-48D2-973C-0311EC3005D6}" type="datetimeFigureOut">
               <a:rPr lang="en-US" smtClean="0"/>
-              <a:t>3/4/2025</a:t>
+              <a:t>3/10/2025</a:t>
             </a:fld>
             <a:endParaRPr lang="en-US"/>
           </a:p>
@@ -1206,7 +1206,7 @@
           <a:p>
             <a:fld id="{6F01DA4D-20EA-48D2-973C-0311EC3005D6}" type="datetimeFigureOut">
               <a:rPr lang="en-US" smtClean="0"/>
-              <a:t>3/4/2025</a:t>
+              <a:t>3/10/2025</a:t>
             </a:fld>
             <a:endParaRPr lang="en-US"/>
           </a:p>
@@ -1452,7 +1452,7 @@
           <a:p>
             <a:fld id="{6F01DA4D-20EA-48D2-973C-0311EC3005D6}" type="datetimeFigureOut">
               <a:rPr lang="en-US" smtClean="0"/>
-              <a:t>3/4/2025</a:t>
+              <a:t>3/10/2025</a:t>
             </a:fld>
             <a:endParaRPr lang="en-US"/>
           </a:p>
@@ -1684,7 +1684,7 @@
           <a:p>
             <a:fld id="{6F01DA4D-20EA-48D2-973C-0311EC3005D6}" type="datetimeFigureOut">
               <a:rPr lang="en-US" smtClean="0"/>
-              <a:t>3/4/2025</a:t>
+              <a:t>3/10/2025</a:t>
             </a:fld>
             <a:endParaRPr lang="en-US"/>
           </a:p>
@@ -2051,7 +2051,7 @@
           <a:p>
             <a:fld id="{6F01DA4D-20EA-48D2-973C-0311EC3005D6}" type="datetimeFigureOut">
               <a:rPr lang="en-US" smtClean="0"/>
-              <a:t>3/4/2025</a:t>
+              <a:t>3/10/2025</a:t>
             </a:fld>
             <a:endParaRPr lang="en-US"/>
           </a:p>
@@ -2169,7 +2169,7 @@
           <a:p>
             <a:fld id="{6F01DA4D-20EA-48D2-973C-0311EC3005D6}" type="datetimeFigureOut">
               <a:rPr lang="en-US" smtClean="0"/>
-              <a:t>3/4/2025</a:t>
+              <a:t>3/10/2025</a:t>
             </a:fld>
             <a:endParaRPr lang="en-US"/>
           </a:p>
@@ -2264,7 +2264,7 @@
           <a:p>
             <a:fld id="{6F01DA4D-20EA-48D2-973C-0311EC3005D6}" type="datetimeFigureOut">
               <a:rPr lang="en-US" smtClean="0"/>
-              <a:t>3/4/2025</a:t>
+              <a:t>3/10/2025</a:t>
             </a:fld>
             <a:endParaRPr lang="en-US"/>
           </a:p>
@@ -2541,7 +2541,7 @@
           <a:p>
             <a:fld id="{6F01DA4D-20EA-48D2-973C-0311EC3005D6}" type="datetimeFigureOut">
               <a:rPr lang="en-US" smtClean="0"/>
-              <a:t>3/4/2025</a:t>
+              <a:t>3/10/2025</a:t>
             </a:fld>
             <a:endParaRPr lang="en-US"/>
           </a:p>
@@ -2794,7 +2794,7 @@
           <a:p>
             <a:fld id="{6F01DA4D-20EA-48D2-973C-0311EC3005D6}" type="datetimeFigureOut">
               <a:rPr lang="en-US" smtClean="0"/>
-              <a:t>3/4/2025</a:t>
+              <a:t>3/10/2025</a:t>
             </a:fld>
             <a:endParaRPr lang="en-US"/>
           </a:p>
@@ -3007,7 +3007,7 @@
           <a:p>
             <a:fld id="{6F01DA4D-20EA-48D2-973C-0311EC3005D6}" type="datetimeFigureOut">
               <a:rPr lang="en-US" smtClean="0"/>
-              <a:t>3/4/2025</a:t>
+              <a:t>3/10/2025</a:t>
             </a:fld>
             <a:endParaRPr lang="en-US"/>
           </a:p>
